--- a/Projeto Adopt.pptx
+++ b/Projeto Adopt.pptx
@@ -4620,7 +4620,7 @@
           <a:p>
             <a:r>
               <a:rPr lang="pt-BR" dirty="0"/>
-              <a:t>Criação de um site para transformar a vida de diversos animais</a:t>
+              <a:t>Criação de um site para transformar a vida de diversos animais e pessoas.</a:t>
             </a:r>
           </a:p>
           <a:p>
@@ -4629,14 +4629,17 @@
           <a:p>
             <a:r>
               <a:rPr lang="pt-BR" dirty="0"/>
-              <a:t>Buscar a diminuição da taxa de abandono no país</a:t>
+              <a:t>Buscar redução na faixa de tempo dos animais em situação de vulnerabilidade nas ruas.</a:t>
             </a:r>
           </a:p>
           <a:p>
             <a:endParaRPr lang="pt-BR" dirty="0"/>
           </a:p>
           <a:p>
-            <a:endParaRPr lang="pt-BR" dirty="0"/>
+            <a:r>
+              <a:rPr lang="pt-BR" dirty="0"/>
+              <a:t>Proporcionar um ambiente simples e confortável para que adotantes e os animais resgatados possam se encontrar com maior facilidade.</a:t>
+            </a:r>
           </a:p>
         </p:txBody>
       </p:sp>

--- a/Projeto Adopt.pptx
+++ b/Projeto Adopt.pptx
@@ -6,10 +6,12 @@
   </p:sldMasterIdLst>
   <p:sldIdLst>
     <p:sldId id="256" r:id="rId2"/>
-    <p:sldId id="258" r:id="rId3"/>
-    <p:sldId id="257" r:id="rId4"/>
-    <p:sldId id="259" r:id="rId5"/>
-    <p:sldId id="260" r:id="rId6"/>
+    <p:sldId id="261" r:id="rId3"/>
+    <p:sldId id="258" r:id="rId4"/>
+    <p:sldId id="262" r:id="rId5"/>
+    <p:sldId id="257" r:id="rId6"/>
+    <p:sldId id="259" r:id="rId7"/>
+    <p:sldId id="260" r:id="rId8"/>
   </p:sldIdLst>
   <p:sldSz cx="12192000" cy="6858000"/>
   <p:notesSz cx="6858000" cy="9144000"/>
@@ -4564,6 +4566,154 @@
       </p:grpSpPr>
       <p:sp>
         <p:nvSpPr>
+          <p:cNvPr id="2" name="Título 1"/>
+          <p:cNvSpPr>
+            <a:spLocks noGrp="1"/>
+          </p:cNvSpPr>
+          <p:nvPr>
+            <p:ph type="title"/>
+          </p:nvPr>
+        </p:nvSpPr>
+        <p:spPr>
+          <a:xfrm>
+            <a:off x="838200" y="681036"/>
+            <a:ext cx="10515600" cy="658237"/>
+          </a:xfrm>
+        </p:spPr>
+        <p:txBody>
+          <a:bodyPr>
+            <a:normAutofit fontScale="90000"/>
+          </a:bodyPr>
+          <a:lstStyle/>
+          <a:p>
+            <a:r>
+              <a:rPr lang="pt-BR" dirty="0"/>
+              <a:t>Ideia de Projeto</a:t>
+            </a:r>
+          </a:p>
+        </p:txBody>
+      </p:sp>
+      <p:sp>
+        <p:nvSpPr>
+          <p:cNvPr id="3" name="Espaço Reservado para Conteúdo 2"/>
+          <p:cNvSpPr>
+            <a:spLocks noGrp="1"/>
+          </p:cNvSpPr>
+          <p:nvPr>
+            <p:ph idx="1"/>
+          </p:nvPr>
+        </p:nvSpPr>
+        <p:spPr/>
+        <p:txBody>
+          <a:bodyPr/>
+          <a:lstStyle/>
+          <a:p>
+            <a:r>
+              <a:rPr lang="pt-BR" dirty="0"/>
+              <a:t>O projeto consiste em criar uma plataforma para facilitar o contato entre os animais e pessoas interessadas em resgatá-los e adotá-los.</a:t>
+            </a:r>
+          </a:p>
+          <a:p>
+            <a:endParaRPr lang="pt-BR" dirty="0"/>
+          </a:p>
+          <a:p>
+            <a:r>
+              <a:rPr lang="pt-BR" dirty="0"/>
+              <a:t>Um site interativo e responsivo no qual será possível fazer um cadastro para cadastrar um animal para possível adoção.</a:t>
+            </a:r>
+          </a:p>
+          <a:p>
+            <a:endParaRPr lang="pt-BR" dirty="0"/>
+          </a:p>
+          <a:p>
+            <a:r>
+              <a:rPr lang="pt-BR" dirty="0"/>
+              <a:t> Contar sua história/trajetória, local resgatado e todas as informações sobre os mesmos.</a:t>
+            </a:r>
+          </a:p>
+          <a:p>
+            <a:endParaRPr lang="pt-BR" dirty="0"/>
+          </a:p>
+          <a:p>
+            <a:endParaRPr lang="pt-BR" dirty="0"/>
+          </a:p>
+        </p:txBody>
+      </p:sp>
+      <p:cxnSp>
+        <p:nvCxnSpPr>
+          <p:cNvPr id="4" name="Conector reto 3">
+            <a:extLst>
+              <a:ext uri="{FF2B5EF4-FFF2-40B4-BE49-F238E27FC236}">
+                <a16:creationId xmlns:a16="http://schemas.microsoft.com/office/drawing/2014/main" id="{5EF000A3-A996-4321-B357-99BD8B339854}"/>
+              </a:ext>
+            </a:extLst>
+          </p:cNvPr>
+          <p:cNvCxnSpPr>
+            <a:cxnSpLocks/>
+          </p:cNvCxnSpPr>
+          <p:nvPr/>
+        </p:nvCxnSpPr>
+        <p:spPr>
+          <a:xfrm flipV="1">
+            <a:off x="838200" y="1339273"/>
+            <a:ext cx="10661073" cy="1"/>
+          </a:xfrm>
+          <a:prstGeom prst="line">
+            <a:avLst/>
+          </a:prstGeom>
+          <a:ln w="25400">
+            <a:solidFill>
+              <a:schemeClr val="accent6"/>
+            </a:solidFill>
+          </a:ln>
+        </p:spPr>
+        <p:style>
+          <a:lnRef idx="1">
+            <a:schemeClr val="accent6"/>
+          </a:lnRef>
+          <a:fillRef idx="0">
+            <a:schemeClr val="accent6"/>
+          </a:fillRef>
+          <a:effectRef idx="0">
+            <a:schemeClr val="accent6"/>
+          </a:effectRef>
+          <a:fontRef idx="minor">
+            <a:schemeClr val="tx1"/>
+          </a:fontRef>
+        </p:style>
+      </p:cxnSp>
+    </p:spTree>
+    <p:extLst>
+      <p:ext uri="{BB962C8B-B14F-4D97-AF65-F5344CB8AC3E}">
+        <p14:creationId xmlns:p14="http://schemas.microsoft.com/office/powerpoint/2010/main" val="3891559866"/>
+      </p:ext>
+    </p:extLst>
+  </p:cSld>
+  <p:clrMapOvr>
+    <a:masterClrMapping/>
+  </p:clrMapOvr>
+</p:sld>
+</file>
+
+<file path=ppt/slides/slide3.xml><?xml version="1.0" encoding="utf-8"?>
+<p:sld xmlns:a="http://schemas.openxmlformats.org/drawingml/2006/main" xmlns:r="http://schemas.openxmlformats.org/officeDocument/2006/relationships" xmlns:p="http://schemas.openxmlformats.org/presentationml/2006/main">
+  <p:cSld>
+    <p:spTree>
+      <p:nvGrpSpPr>
+        <p:cNvPr id="1" name=""/>
+        <p:cNvGrpSpPr/>
+        <p:nvPr/>
+      </p:nvGrpSpPr>
+      <p:grpSpPr>
+        <a:xfrm>
+          <a:off x="0" y="0"/>
+          <a:ext cx="0" cy="0"/>
+          <a:chOff x="0" y="0"/>
+          <a:chExt cx="0" cy="0"/>
+        </a:xfrm>
+      </p:grpSpPr>
+      <p:sp>
+        <p:nvSpPr>
           <p:cNvPr id="2" name="Título 1">
             <a:extLst>
               <a:ext uri="{FF2B5EF4-FFF2-40B4-BE49-F238E27FC236}">
@@ -4699,7 +4849,178 @@
 </p:sld>
 </file>
 
-<file path=ppt/slides/slide3.xml><?xml version="1.0" encoding="utf-8"?>
+<file path=ppt/slides/slide4.xml><?xml version="1.0" encoding="utf-8"?>
+<p:sld xmlns:a="http://schemas.openxmlformats.org/drawingml/2006/main" xmlns:r="http://schemas.openxmlformats.org/officeDocument/2006/relationships" xmlns:p="http://schemas.openxmlformats.org/presentationml/2006/main">
+  <p:cSld>
+    <p:spTree>
+      <p:nvGrpSpPr>
+        <p:cNvPr id="1" name=""/>
+        <p:cNvGrpSpPr/>
+        <p:nvPr/>
+      </p:nvGrpSpPr>
+      <p:grpSpPr>
+        <a:xfrm>
+          <a:off x="0" y="0"/>
+          <a:ext cx="0" cy="0"/>
+          <a:chOff x="0" y="0"/>
+          <a:chExt cx="0" cy="0"/>
+        </a:xfrm>
+      </p:grpSpPr>
+      <p:sp>
+        <p:nvSpPr>
+          <p:cNvPr id="2" name="Título 1"/>
+          <p:cNvSpPr>
+            <a:spLocks noGrp="1"/>
+          </p:cNvSpPr>
+          <p:nvPr>
+            <p:ph type="title"/>
+          </p:nvPr>
+        </p:nvSpPr>
+        <p:spPr>
+          <a:xfrm>
+            <a:off x="838200" y="681036"/>
+            <a:ext cx="10515600" cy="707017"/>
+          </a:xfrm>
+        </p:spPr>
+        <p:txBody>
+          <a:bodyPr/>
+          <a:lstStyle/>
+          <a:p>
+            <a:r>
+              <a:rPr lang="pt-BR" dirty="0"/>
+              <a:t>Objetivos Específicos</a:t>
+            </a:r>
+          </a:p>
+        </p:txBody>
+      </p:sp>
+      <p:sp>
+        <p:nvSpPr>
+          <p:cNvPr id="3" name="Espaço Reservado para Conteúdo 2"/>
+          <p:cNvSpPr>
+            <a:spLocks noGrp="1"/>
+          </p:cNvSpPr>
+          <p:nvPr>
+            <p:ph idx="1"/>
+          </p:nvPr>
+        </p:nvSpPr>
+        <p:spPr/>
+        <p:txBody>
+          <a:bodyPr>
+            <a:normAutofit lnSpcReduction="10000"/>
+          </a:bodyPr>
+          <a:lstStyle/>
+          <a:p>
+            <a:r>
+              <a:rPr lang="pt-BR" dirty="0"/>
+              <a:t>O site terá uma página de Cadastro/</a:t>
+            </a:r>
+            <a:r>
+              <a:rPr lang="pt-BR" dirty="0" err="1"/>
+              <a:t>Login</a:t>
+            </a:r>
+            <a:r>
+              <a:rPr lang="pt-BR" dirty="0"/>
+              <a:t>.</a:t>
+            </a:r>
+          </a:p>
+          <a:p>
+            <a:endParaRPr lang="pt-BR" dirty="0"/>
+          </a:p>
+          <a:p>
+            <a:r>
+              <a:rPr lang="pt-BR" dirty="0"/>
+              <a:t>Aba de cadastro para a publicação dos animais para adoção.</a:t>
+            </a:r>
+          </a:p>
+          <a:p>
+            <a:endParaRPr lang="pt-BR" dirty="0"/>
+          </a:p>
+          <a:p>
+            <a:r>
+              <a:rPr lang="pt-BR" dirty="0"/>
+              <a:t>Aba de doação para pessoas interessadas a ajudar o projeto.</a:t>
+            </a:r>
+          </a:p>
+          <a:p>
+            <a:endParaRPr lang="pt-BR" dirty="0"/>
+          </a:p>
+          <a:p>
+            <a:r>
+              <a:rPr lang="pt-BR" dirty="0"/>
+              <a:t>Aba "Sobre Nós" explicando funcionamento do projeto.</a:t>
+            </a:r>
+          </a:p>
+          <a:p>
+            <a:endParaRPr lang="pt-BR" dirty="0"/>
+          </a:p>
+          <a:p>
+            <a:r>
+              <a:rPr lang="pt-BR" dirty="0"/>
+              <a:t>Página para divulgação de animais encontrados.</a:t>
+            </a:r>
+          </a:p>
+          <a:p>
+            <a:endParaRPr lang="pt-BR" dirty="0"/>
+          </a:p>
+        </p:txBody>
+      </p:sp>
+      <p:cxnSp>
+        <p:nvCxnSpPr>
+          <p:cNvPr id="4" name="Conector reto 3">
+            <a:extLst>
+              <a:ext uri="{FF2B5EF4-FFF2-40B4-BE49-F238E27FC236}">
+                <a16:creationId xmlns:a16="http://schemas.microsoft.com/office/drawing/2014/main" id="{5EF000A3-A996-4321-B357-99BD8B339854}"/>
+              </a:ext>
+            </a:extLst>
+          </p:cNvPr>
+          <p:cNvCxnSpPr>
+            <a:cxnSpLocks/>
+          </p:cNvCxnSpPr>
+          <p:nvPr/>
+        </p:nvCxnSpPr>
+        <p:spPr>
+          <a:xfrm flipV="1">
+            <a:off x="838200" y="1388054"/>
+            <a:ext cx="10661073" cy="1"/>
+          </a:xfrm>
+          <a:prstGeom prst="line">
+            <a:avLst/>
+          </a:prstGeom>
+          <a:ln w="25400">
+            <a:solidFill>
+              <a:schemeClr val="accent6"/>
+            </a:solidFill>
+          </a:ln>
+        </p:spPr>
+        <p:style>
+          <a:lnRef idx="1">
+            <a:schemeClr val="accent6"/>
+          </a:lnRef>
+          <a:fillRef idx="0">
+            <a:schemeClr val="accent6"/>
+          </a:fillRef>
+          <a:effectRef idx="0">
+            <a:schemeClr val="accent6"/>
+          </a:effectRef>
+          <a:fontRef idx="minor">
+            <a:schemeClr val="tx1"/>
+          </a:fontRef>
+        </p:style>
+      </p:cxnSp>
+    </p:spTree>
+    <p:extLst>
+      <p:ext uri="{BB962C8B-B14F-4D97-AF65-F5344CB8AC3E}">
+        <p14:creationId xmlns:p14="http://schemas.microsoft.com/office/powerpoint/2010/main" val="2674428660"/>
+      </p:ext>
+    </p:extLst>
+  </p:cSld>
+  <p:clrMapOvr>
+    <a:masterClrMapping/>
+  </p:clrMapOvr>
+</p:sld>
+</file>
+
+<file path=ppt/slides/slide5.xml><?xml version="1.0" encoding="utf-8"?>
 <p:sld xmlns:a="http://schemas.openxmlformats.org/drawingml/2006/main" xmlns:r="http://schemas.openxmlformats.org/officeDocument/2006/relationships" xmlns:p="http://schemas.openxmlformats.org/presentationml/2006/main">
   <p:cSld>
     <p:spTree>
@@ -4862,7 +5183,7 @@
 </p:sld>
 </file>
 
-<file path=ppt/slides/slide4.xml><?xml version="1.0" encoding="utf-8"?>
+<file path=ppt/slides/slide6.xml><?xml version="1.0" encoding="utf-8"?>
 <p:sld xmlns:a="http://schemas.openxmlformats.org/drawingml/2006/main" xmlns:r="http://schemas.openxmlformats.org/officeDocument/2006/relationships" xmlns:p="http://schemas.openxmlformats.org/presentationml/2006/main">
   <p:cSld>
     <p:spTree>
@@ -5227,7 +5548,7 @@
 </p:sld>
 </file>
 
-<file path=ppt/slides/slide5.xml><?xml version="1.0" encoding="utf-8"?>
+<file path=ppt/slides/slide7.xml><?xml version="1.0" encoding="utf-8"?>
 <p:sld xmlns:a="http://schemas.openxmlformats.org/drawingml/2006/main" xmlns:r="http://schemas.openxmlformats.org/officeDocument/2006/relationships" xmlns:p="http://schemas.openxmlformats.org/presentationml/2006/main">
   <p:cSld>
     <p:spTree>
